--- a/ppt 16-9/1356.鸽子的基督徒.pptx
+++ b/ppt 16-9/1356.鸽子的基督徒.pptx
@@ -129,7 +129,7 @@
           <p:cNvPr id="2" name="标题 1">
             <a:extLst>
               <a:ext uri="{FF2B5EF4-FFF2-40B4-BE49-F238E27FC236}">
-                <a16:creationId xmlns:a16="http://schemas.microsoft.com/office/drawing/2014/main" id="{DCCCB24A-9FD7-5C76-BE35-A29FA6E75D4C}"/>
+                <a16:creationId xmlns:a16="http://schemas.microsoft.com/office/drawing/2014/main" id="{136A18F5-FF70-C7C1-5447-F3E12E02C529}"/>
               </a:ext>
             </a:extLst>
           </p:cNvPr>
@@ -166,7 +166,7 @@
           <p:cNvPr id="3" name="副标题 2">
             <a:extLst>
               <a:ext uri="{FF2B5EF4-FFF2-40B4-BE49-F238E27FC236}">
-                <a16:creationId xmlns:a16="http://schemas.microsoft.com/office/drawing/2014/main" id="{7CC31994-9710-CA23-36A5-B1B1AE02E82D}"/>
+                <a16:creationId xmlns:a16="http://schemas.microsoft.com/office/drawing/2014/main" id="{55C86399-B164-45AC-C3C8-6D12B8149C15}"/>
               </a:ext>
             </a:extLst>
           </p:cNvPr>
@@ -236,7 +236,7 @@
           <p:cNvPr id="4" name="日期占位符 3">
             <a:extLst>
               <a:ext uri="{FF2B5EF4-FFF2-40B4-BE49-F238E27FC236}">
-                <a16:creationId xmlns:a16="http://schemas.microsoft.com/office/drawing/2014/main" id="{F1DB912E-BA1E-CFD5-AF9C-BC6465D07DA4}"/>
+                <a16:creationId xmlns:a16="http://schemas.microsoft.com/office/drawing/2014/main" id="{A428A426-08D3-4DE9-C64B-1AD60269FC65}"/>
               </a:ext>
             </a:extLst>
           </p:cNvPr>
@@ -252,7 +252,7 @@
           <a:bodyPr/>
           <a:lstStyle/>
           <a:p>
-            <a:fld id="{FC0946CC-9224-4DF9-8A56-2D81EF834218}" type="datetimeFigureOut">
+            <a:fld id="{1EBE3CEC-0E51-4F3B-9070-112ECDC30EF0}" type="datetimeFigureOut">
               <a:rPr lang="zh-CN" altLang="en-US" smtClean="0"/>
               <a:t>2024/3/10</a:t>
             </a:fld>
@@ -265,7 +265,7 @@
           <p:cNvPr id="5" name="页脚占位符 4">
             <a:extLst>
               <a:ext uri="{FF2B5EF4-FFF2-40B4-BE49-F238E27FC236}">
-                <a16:creationId xmlns:a16="http://schemas.microsoft.com/office/drawing/2014/main" id="{91501395-8F8B-5E47-D179-334EC31BF7D7}"/>
+                <a16:creationId xmlns:a16="http://schemas.microsoft.com/office/drawing/2014/main" id="{89416C93-9104-2DAF-F766-D72A130EDBCD}"/>
               </a:ext>
             </a:extLst>
           </p:cNvPr>
@@ -290,7 +290,7 @@
           <p:cNvPr id="6" name="灯片编号占位符 5">
             <a:extLst>
               <a:ext uri="{FF2B5EF4-FFF2-40B4-BE49-F238E27FC236}">
-                <a16:creationId xmlns:a16="http://schemas.microsoft.com/office/drawing/2014/main" id="{911CC6CF-2D52-F190-0F86-B0A761747A11}"/>
+                <a16:creationId xmlns:a16="http://schemas.microsoft.com/office/drawing/2014/main" id="{8E510D94-AA54-DCF2-C473-C49F1D15015C}"/>
               </a:ext>
             </a:extLst>
           </p:cNvPr>
@@ -306,7 +306,7 @@
           <a:bodyPr/>
           <a:lstStyle/>
           <a:p>
-            <a:fld id="{97030AE1-D32F-4B47-9525-31CB399C2D47}" type="slidenum">
+            <a:fld id="{B202CBC4-B2D3-457F-968D-7CFB3F7B9F57}" type="slidenum">
               <a:rPr lang="zh-CN" altLang="en-US" smtClean="0"/>
               <a:t>‹#›</a:t>
             </a:fld>
@@ -317,7 +317,7 @@
     </p:spTree>
     <p:extLst>
       <p:ext uri="{BB962C8B-B14F-4D97-AF65-F5344CB8AC3E}">
-        <p14:creationId xmlns:p14="http://schemas.microsoft.com/office/powerpoint/2010/main" val="615729367"/>
+        <p14:creationId xmlns:p14="http://schemas.microsoft.com/office/powerpoint/2010/main" val="361679889"/>
       </p:ext>
     </p:extLst>
   </p:cSld>
@@ -349,7 +349,7 @@
           <p:cNvPr id="2" name="标题 1">
             <a:extLst>
               <a:ext uri="{FF2B5EF4-FFF2-40B4-BE49-F238E27FC236}">
-                <a16:creationId xmlns:a16="http://schemas.microsoft.com/office/drawing/2014/main" id="{9692C7D9-3F84-59F4-3D8F-E169266E2EAA}"/>
+                <a16:creationId xmlns:a16="http://schemas.microsoft.com/office/drawing/2014/main" id="{3986FF7E-C11E-1D49-BE4A-E3B42BCF00EE}"/>
               </a:ext>
             </a:extLst>
           </p:cNvPr>
@@ -377,7 +377,7 @@
           <p:cNvPr id="3" name="竖排文字占位符 2">
             <a:extLst>
               <a:ext uri="{FF2B5EF4-FFF2-40B4-BE49-F238E27FC236}">
-                <a16:creationId xmlns:a16="http://schemas.microsoft.com/office/drawing/2014/main" id="{7E4232A7-2DDA-2CF3-DC31-F0AEFEE791AA}"/>
+                <a16:creationId xmlns:a16="http://schemas.microsoft.com/office/drawing/2014/main" id="{80C68167-661D-8BBC-C8FA-039C3CF28B4B}"/>
               </a:ext>
             </a:extLst>
           </p:cNvPr>
@@ -434,7 +434,7 @@
           <p:cNvPr id="4" name="日期占位符 3">
             <a:extLst>
               <a:ext uri="{FF2B5EF4-FFF2-40B4-BE49-F238E27FC236}">
-                <a16:creationId xmlns:a16="http://schemas.microsoft.com/office/drawing/2014/main" id="{8DACE989-1FA0-9DC4-920D-C84A21498DB1}"/>
+                <a16:creationId xmlns:a16="http://schemas.microsoft.com/office/drawing/2014/main" id="{04B3E6A6-5FF6-4DD2-6453-250B550E4290}"/>
               </a:ext>
             </a:extLst>
           </p:cNvPr>
@@ -450,7 +450,7 @@
           <a:bodyPr/>
           <a:lstStyle/>
           <a:p>
-            <a:fld id="{FC0946CC-9224-4DF9-8A56-2D81EF834218}" type="datetimeFigureOut">
+            <a:fld id="{1EBE3CEC-0E51-4F3B-9070-112ECDC30EF0}" type="datetimeFigureOut">
               <a:rPr lang="zh-CN" altLang="en-US" smtClean="0"/>
               <a:t>2024/3/10</a:t>
             </a:fld>
@@ -463,7 +463,7 @@
           <p:cNvPr id="5" name="页脚占位符 4">
             <a:extLst>
               <a:ext uri="{FF2B5EF4-FFF2-40B4-BE49-F238E27FC236}">
-                <a16:creationId xmlns:a16="http://schemas.microsoft.com/office/drawing/2014/main" id="{4E97AF70-74A9-A5B4-DCB3-1254C1D54F2C}"/>
+                <a16:creationId xmlns:a16="http://schemas.microsoft.com/office/drawing/2014/main" id="{8A56E091-F5AD-8F93-F568-0855175A9F62}"/>
               </a:ext>
             </a:extLst>
           </p:cNvPr>
@@ -488,7 +488,7 @@
           <p:cNvPr id="6" name="灯片编号占位符 5">
             <a:extLst>
               <a:ext uri="{FF2B5EF4-FFF2-40B4-BE49-F238E27FC236}">
-                <a16:creationId xmlns:a16="http://schemas.microsoft.com/office/drawing/2014/main" id="{951FF5E8-05CC-7E71-05B4-1BBEFB7B594B}"/>
+                <a16:creationId xmlns:a16="http://schemas.microsoft.com/office/drawing/2014/main" id="{C570672E-F650-0F81-0A77-D37806623630}"/>
               </a:ext>
             </a:extLst>
           </p:cNvPr>
@@ -504,7 +504,7 @@
           <a:bodyPr/>
           <a:lstStyle/>
           <a:p>
-            <a:fld id="{97030AE1-D32F-4B47-9525-31CB399C2D47}" type="slidenum">
+            <a:fld id="{B202CBC4-B2D3-457F-968D-7CFB3F7B9F57}" type="slidenum">
               <a:rPr lang="zh-CN" altLang="en-US" smtClean="0"/>
               <a:t>‹#›</a:t>
             </a:fld>
@@ -515,7 +515,7 @@
     </p:spTree>
     <p:extLst>
       <p:ext uri="{BB962C8B-B14F-4D97-AF65-F5344CB8AC3E}">
-        <p14:creationId xmlns:p14="http://schemas.microsoft.com/office/powerpoint/2010/main" val="1725594390"/>
+        <p14:creationId xmlns:p14="http://schemas.microsoft.com/office/powerpoint/2010/main" val="2519281853"/>
       </p:ext>
     </p:extLst>
   </p:cSld>
@@ -547,7 +547,7 @@
           <p:cNvPr id="2" name="竖排标题 1">
             <a:extLst>
               <a:ext uri="{FF2B5EF4-FFF2-40B4-BE49-F238E27FC236}">
-                <a16:creationId xmlns:a16="http://schemas.microsoft.com/office/drawing/2014/main" id="{B66C3017-C27E-CB46-6CB4-EB909C600516}"/>
+                <a16:creationId xmlns:a16="http://schemas.microsoft.com/office/drawing/2014/main" id="{F54D8062-200D-0CCC-F728-CD0C6EB59D38}"/>
               </a:ext>
             </a:extLst>
           </p:cNvPr>
@@ -580,7 +580,7 @@
           <p:cNvPr id="3" name="竖排文字占位符 2">
             <a:extLst>
               <a:ext uri="{FF2B5EF4-FFF2-40B4-BE49-F238E27FC236}">
-                <a16:creationId xmlns:a16="http://schemas.microsoft.com/office/drawing/2014/main" id="{D575E480-1D40-5EB8-5BA1-1A03C45C825E}"/>
+                <a16:creationId xmlns:a16="http://schemas.microsoft.com/office/drawing/2014/main" id="{A7007479-462A-56F2-E3F1-A212C9C6ED16}"/>
               </a:ext>
             </a:extLst>
           </p:cNvPr>
@@ -642,7 +642,7 @@
           <p:cNvPr id="4" name="日期占位符 3">
             <a:extLst>
               <a:ext uri="{FF2B5EF4-FFF2-40B4-BE49-F238E27FC236}">
-                <a16:creationId xmlns:a16="http://schemas.microsoft.com/office/drawing/2014/main" id="{63F109AD-CAF7-ACB4-9842-057A76B4D5DA}"/>
+                <a16:creationId xmlns:a16="http://schemas.microsoft.com/office/drawing/2014/main" id="{36E020B1-C293-D78E-A8D2-62890D594A54}"/>
               </a:ext>
             </a:extLst>
           </p:cNvPr>
@@ -658,7 +658,7 @@
           <a:bodyPr/>
           <a:lstStyle/>
           <a:p>
-            <a:fld id="{FC0946CC-9224-4DF9-8A56-2D81EF834218}" type="datetimeFigureOut">
+            <a:fld id="{1EBE3CEC-0E51-4F3B-9070-112ECDC30EF0}" type="datetimeFigureOut">
               <a:rPr lang="zh-CN" altLang="en-US" smtClean="0"/>
               <a:t>2024/3/10</a:t>
             </a:fld>
@@ -671,7 +671,7 @@
           <p:cNvPr id="5" name="页脚占位符 4">
             <a:extLst>
               <a:ext uri="{FF2B5EF4-FFF2-40B4-BE49-F238E27FC236}">
-                <a16:creationId xmlns:a16="http://schemas.microsoft.com/office/drawing/2014/main" id="{A4669A98-6ADB-1749-AD2B-D99F7768EFEE}"/>
+                <a16:creationId xmlns:a16="http://schemas.microsoft.com/office/drawing/2014/main" id="{9DF56A7A-CAB4-13DB-A68E-34BA691BD0C3}"/>
               </a:ext>
             </a:extLst>
           </p:cNvPr>
@@ -696,7 +696,7 @@
           <p:cNvPr id="6" name="灯片编号占位符 5">
             <a:extLst>
               <a:ext uri="{FF2B5EF4-FFF2-40B4-BE49-F238E27FC236}">
-                <a16:creationId xmlns:a16="http://schemas.microsoft.com/office/drawing/2014/main" id="{C5AD40A2-08FF-24FD-9BB1-F90E0FA08470}"/>
+                <a16:creationId xmlns:a16="http://schemas.microsoft.com/office/drawing/2014/main" id="{D3293601-B270-0AE9-D61E-A79A002552E7}"/>
               </a:ext>
             </a:extLst>
           </p:cNvPr>
@@ -712,7 +712,7 @@
           <a:bodyPr/>
           <a:lstStyle/>
           <a:p>
-            <a:fld id="{97030AE1-D32F-4B47-9525-31CB399C2D47}" type="slidenum">
+            <a:fld id="{B202CBC4-B2D3-457F-968D-7CFB3F7B9F57}" type="slidenum">
               <a:rPr lang="zh-CN" altLang="en-US" smtClean="0"/>
               <a:t>‹#›</a:t>
             </a:fld>
@@ -723,7 +723,7 @@
     </p:spTree>
     <p:extLst>
       <p:ext uri="{BB962C8B-B14F-4D97-AF65-F5344CB8AC3E}">
-        <p14:creationId xmlns:p14="http://schemas.microsoft.com/office/powerpoint/2010/main" val="1069917159"/>
+        <p14:creationId xmlns:p14="http://schemas.microsoft.com/office/powerpoint/2010/main" val="3322499985"/>
       </p:ext>
     </p:extLst>
   </p:cSld>
@@ -755,7 +755,7 @@
           <p:cNvPr id="2" name="标题 1">
             <a:extLst>
               <a:ext uri="{FF2B5EF4-FFF2-40B4-BE49-F238E27FC236}">
-                <a16:creationId xmlns:a16="http://schemas.microsoft.com/office/drawing/2014/main" id="{8E45444F-FC97-6312-579B-08429E59D669}"/>
+                <a16:creationId xmlns:a16="http://schemas.microsoft.com/office/drawing/2014/main" id="{ED99E2F6-403F-16F2-8725-75D55C1A15CA}"/>
               </a:ext>
             </a:extLst>
           </p:cNvPr>
@@ -783,7 +783,7 @@
           <p:cNvPr id="3" name="内容占位符 2">
             <a:extLst>
               <a:ext uri="{FF2B5EF4-FFF2-40B4-BE49-F238E27FC236}">
-                <a16:creationId xmlns:a16="http://schemas.microsoft.com/office/drawing/2014/main" id="{5A03E382-2F59-FF52-CCBB-BEC226A7217A}"/>
+                <a16:creationId xmlns:a16="http://schemas.microsoft.com/office/drawing/2014/main" id="{AF3D519B-A9AE-96B9-AF1D-2ADAB890B6C9}"/>
               </a:ext>
             </a:extLst>
           </p:cNvPr>
@@ -840,7 +840,7 @@
           <p:cNvPr id="4" name="日期占位符 3">
             <a:extLst>
               <a:ext uri="{FF2B5EF4-FFF2-40B4-BE49-F238E27FC236}">
-                <a16:creationId xmlns:a16="http://schemas.microsoft.com/office/drawing/2014/main" id="{9FDC2F7A-266B-8A6E-E729-255E7CF1E0AB}"/>
+                <a16:creationId xmlns:a16="http://schemas.microsoft.com/office/drawing/2014/main" id="{D7D13707-25B6-BFB0-B4EF-7E3E18520434}"/>
               </a:ext>
             </a:extLst>
           </p:cNvPr>
@@ -856,7 +856,7 @@
           <a:bodyPr/>
           <a:lstStyle/>
           <a:p>
-            <a:fld id="{FC0946CC-9224-4DF9-8A56-2D81EF834218}" type="datetimeFigureOut">
+            <a:fld id="{1EBE3CEC-0E51-4F3B-9070-112ECDC30EF0}" type="datetimeFigureOut">
               <a:rPr lang="zh-CN" altLang="en-US" smtClean="0"/>
               <a:t>2024/3/10</a:t>
             </a:fld>
@@ -869,7 +869,7 @@
           <p:cNvPr id="5" name="页脚占位符 4">
             <a:extLst>
               <a:ext uri="{FF2B5EF4-FFF2-40B4-BE49-F238E27FC236}">
-                <a16:creationId xmlns:a16="http://schemas.microsoft.com/office/drawing/2014/main" id="{CD0E3E5C-9F70-B34D-F678-E83136EA5171}"/>
+                <a16:creationId xmlns:a16="http://schemas.microsoft.com/office/drawing/2014/main" id="{57205B28-BEFB-CD41-E6E3-E2162A54F6A4}"/>
               </a:ext>
             </a:extLst>
           </p:cNvPr>
@@ -894,7 +894,7 @@
           <p:cNvPr id="6" name="灯片编号占位符 5">
             <a:extLst>
               <a:ext uri="{FF2B5EF4-FFF2-40B4-BE49-F238E27FC236}">
-                <a16:creationId xmlns:a16="http://schemas.microsoft.com/office/drawing/2014/main" id="{F9EE5FCE-8572-F8A8-41D6-03C23BC0B6C3}"/>
+                <a16:creationId xmlns:a16="http://schemas.microsoft.com/office/drawing/2014/main" id="{DD380413-4263-8DEB-8F18-8C9584DEF744}"/>
               </a:ext>
             </a:extLst>
           </p:cNvPr>
@@ -910,7 +910,7 @@
           <a:bodyPr/>
           <a:lstStyle/>
           <a:p>
-            <a:fld id="{97030AE1-D32F-4B47-9525-31CB399C2D47}" type="slidenum">
+            <a:fld id="{B202CBC4-B2D3-457F-968D-7CFB3F7B9F57}" type="slidenum">
               <a:rPr lang="zh-CN" altLang="en-US" smtClean="0"/>
               <a:t>‹#›</a:t>
             </a:fld>
@@ -921,7 +921,7 @@
     </p:spTree>
     <p:extLst>
       <p:ext uri="{BB962C8B-B14F-4D97-AF65-F5344CB8AC3E}">
-        <p14:creationId xmlns:p14="http://schemas.microsoft.com/office/powerpoint/2010/main" val="1165234176"/>
+        <p14:creationId xmlns:p14="http://schemas.microsoft.com/office/powerpoint/2010/main" val="1730459438"/>
       </p:ext>
     </p:extLst>
   </p:cSld>
@@ -953,7 +953,7 @@
           <p:cNvPr id="2" name="标题 1">
             <a:extLst>
               <a:ext uri="{FF2B5EF4-FFF2-40B4-BE49-F238E27FC236}">
-                <a16:creationId xmlns:a16="http://schemas.microsoft.com/office/drawing/2014/main" id="{42D0F6A6-C510-552E-4171-50D684ED34D9}"/>
+                <a16:creationId xmlns:a16="http://schemas.microsoft.com/office/drawing/2014/main" id="{A68EF553-DF7E-31A5-50EC-CFD517A7A04B}"/>
               </a:ext>
             </a:extLst>
           </p:cNvPr>
@@ -990,7 +990,7 @@
           <p:cNvPr id="3" name="文本占位符 2">
             <a:extLst>
               <a:ext uri="{FF2B5EF4-FFF2-40B4-BE49-F238E27FC236}">
-                <a16:creationId xmlns:a16="http://schemas.microsoft.com/office/drawing/2014/main" id="{768FF6AE-FFA5-3C75-4B52-E10BDC8E50A3}"/>
+                <a16:creationId xmlns:a16="http://schemas.microsoft.com/office/drawing/2014/main" id="{4690EB65-4A07-05CB-E205-FCC0EB5559A2}"/>
               </a:ext>
             </a:extLst>
           </p:cNvPr>
@@ -1115,7 +1115,7 @@
           <p:cNvPr id="4" name="日期占位符 3">
             <a:extLst>
               <a:ext uri="{FF2B5EF4-FFF2-40B4-BE49-F238E27FC236}">
-                <a16:creationId xmlns:a16="http://schemas.microsoft.com/office/drawing/2014/main" id="{A91B4C9F-C9BE-C16D-2943-F1BD92ED0A45}"/>
+                <a16:creationId xmlns:a16="http://schemas.microsoft.com/office/drawing/2014/main" id="{2E105DE1-7DFC-CC0F-FC14-3412B722E08F}"/>
               </a:ext>
             </a:extLst>
           </p:cNvPr>
@@ -1131,7 +1131,7 @@
           <a:bodyPr/>
           <a:lstStyle/>
           <a:p>
-            <a:fld id="{FC0946CC-9224-4DF9-8A56-2D81EF834218}" type="datetimeFigureOut">
+            <a:fld id="{1EBE3CEC-0E51-4F3B-9070-112ECDC30EF0}" type="datetimeFigureOut">
               <a:rPr lang="zh-CN" altLang="en-US" smtClean="0"/>
               <a:t>2024/3/10</a:t>
             </a:fld>
@@ -1144,7 +1144,7 @@
           <p:cNvPr id="5" name="页脚占位符 4">
             <a:extLst>
               <a:ext uri="{FF2B5EF4-FFF2-40B4-BE49-F238E27FC236}">
-                <a16:creationId xmlns:a16="http://schemas.microsoft.com/office/drawing/2014/main" id="{4E21C1BC-2ABB-A3FD-EFEE-2E1B32A7B794}"/>
+                <a16:creationId xmlns:a16="http://schemas.microsoft.com/office/drawing/2014/main" id="{FE14E4F9-4532-3AB4-0117-7EB7D691662C}"/>
               </a:ext>
             </a:extLst>
           </p:cNvPr>
@@ -1169,7 +1169,7 @@
           <p:cNvPr id="6" name="灯片编号占位符 5">
             <a:extLst>
               <a:ext uri="{FF2B5EF4-FFF2-40B4-BE49-F238E27FC236}">
-                <a16:creationId xmlns:a16="http://schemas.microsoft.com/office/drawing/2014/main" id="{E0F0C25D-842E-FB7B-3B5E-5BE7598DC50E}"/>
+                <a16:creationId xmlns:a16="http://schemas.microsoft.com/office/drawing/2014/main" id="{E657CB70-F00E-6942-10AB-2E71816A2E46}"/>
               </a:ext>
             </a:extLst>
           </p:cNvPr>
@@ -1185,7 +1185,7 @@
           <a:bodyPr/>
           <a:lstStyle/>
           <a:p>
-            <a:fld id="{97030AE1-D32F-4B47-9525-31CB399C2D47}" type="slidenum">
+            <a:fld id="{B202CBC4-B2D3-457F-968D-7CFB3F7B9F57}" type="slidenum">
               <a:rPr lang="zh-CN" altLang="en-US" smtClean="0"/>
               <a:t>‹#›</a:t>
             </a:fld>
@@ -1196,7 +1196,7 @@
     </p:spTree>
     <p:extLst>
       <p:ext uri="{BB962C8B-B14F-4D97-AF65-F5344CB8AC3E}">
-        <p14:creationId xmlns:p14="http://schemas.microsoft.com/office/powerpoint/2010/main" val="1667740242"/>
+        <p14:creationId xmlns:p14="http://schemas.microsoft.com/office/powerpoint/2010/main" val="3688647228"/>
       </p:ext>
     </p:extLst>
   </p:cSld>
@@ -1228,7 +1228,7 @@
           <p:cNvPr id="2" name="标题 1">
             <a:extLst>
               <a:ext uri="{FF2B5EF4-FFF2-40B4-BE49-F238E27FC236}">
-                <a16:creationId xmlns:a16="http://schemas.microsoft.com/office/drawing/2014/main" id="{86F093E5-A027-4983-51A3-71975915DB24}"/>
+                <a16:creationId xmlns:a16="http://schemas.microsoft.com/office/drawing/2014/main" id="{C6F3D9D4-CF77-F999-3587-7C118D780896}"/>
               </a:ext>
             </a:extLst>
           </p:cNvPr>
@@ -1256,7 +1256,7 @@
           <p:cNvPr id="3" name="内容占位符 2">
             <a:extLst>
               <a:ext uri="{FF2B5EF4-FFF2-40B4-BE49-F238E27FC236}">
-                <a16:creationId xmlns:a16="http://schemas.microsoft.com/office/drawing/2014/main" id="{72354117-3C93-1DC3-C6E1-715A8D783A41}"/>
+                <a16:creationId xmlns:a16="http://schemas.microsoft.com/office/drawing/2014/main" id="{AC73B0AF-0D2C-1C1D-0173-10A8D275FE1F}"/>
               </a:ext>
             </a:extLst>
           </p:cNvPr>
@@ -1318,7 +1318,7 @@
           <p:cNvPr id="4" name="内容占位符 3">
             <a:extLst>
               <a:ext uri="{FF2B5EF4-FFF2-40B4-BE49-F238E27FC236}">
-                <a16:creationId xmlns:a16="http://schemas.microsoft.com/office/drawing/2014/main" id="{9C0E0777-4D8D-D4A3-DFC6-E6C84C59B073}"/>
+                <a16:creationId xmlns:a16="http://schemas.microsoft.com/office/drawing/2014/main" id="{7A920191-772F-36A9-EC39-0C432F419317}"/>
               </a:ext>
             </a:extLst>
           </p:cNvPr>
@@ -1380,7 +1380,7 @@
           <p:cNvPr id="5" name="日期占位符 4">
             <a:extLst>
               <a:ext uri="{FF2B5EF4-FFF2-40B4-BE49-F238E27FC236}">
-                <a16:creationId xmlns:a16="http://schemas.microsoft.com/office/drawing/2014/main" id="{19B84335-E71F-AB17-6821-4F4FF998B3EF}"/>
+                <a16:creationId xmlns:a16="http://schemas.microsoft.com/office/drawing/2014/main" id="{C0E89AE6-853D-68F4-3291-3B55C79EF984}"/>
               </a:ext>
             </a:extLst>
           </p:cNvPr>
@@ -1396,7 +1396,7 @@
           <a:bodyPr/>
           <a:lstStyle/>
           <a:p>
-            <a:fld id="{FC0946CC-9224-4DF9-8A56-2D81EF834218}" type="datetimeFigureOut">
+            <a:fld id="{1EBE3CEC-0E51-4F3B-9070-112ECDC30EF0}" type="datetimeFigureOut">
               <a:rPr lang="zh-CN" altLang="en-US" smtClean="0"/>
               <a:t>2024/3/10</a:t>
             </a:fld>
@@ -1409,7 +1409,7 @@
           <p:cNvPr id="6" name="页脚占位符 5">
             <a:extLst>
               <a:ext uri="{FF2B5EF4-FFF2-40B4-BE49-F238E27FC236}">
-                <a16:creationId xmlns:a16="http://schemas.microsoft.com/office/drawing/2014/main" id="{95363CD1-B081-2448-7450-B744BA292895}"/>
+                <a16:creationId xmlns:a16="http://schemas.microsoft.com/office/drawing/2014/main" id="{4D7D6344-22EC-A96A-4937-0A6D90C7FF86}"/>
               </a:ext>
             </a:extLst>
           </p:cNvPr>
@@ -1434,7 +1434,7 @@
           <p:cNvPr id="7" name="灯片编号占位符 6">
             <a:extLst>
               <a:ext uri="{FF2B5EF4-FFF2-40B4-BE49-F238E27FC236}">
-                <a16:creationId xmlns:a16="http://schemas.microsoft.com/office/drawing/2014/main" id="{EFE8B3EB-48CF-3988-EA25-B27639C9A0B4}"/>
+                <a16:creationId xmlns:a16="http://schemas.microsoft.com/office/drawing/2014/main" id="{0A3D80E8-0596-44FC-4ECA-5A70A4377163}"/>
               </a:ext>
             </a:extLst>
           </p:cNvPr>
@@ -1450,7 +1450,7 @@
           <a:bodyPr/>
           <a:lstStyle/>
           <a:p>
-            <a:fld id="{97030AE1-D32F-4B47-9525-31CB399C2D47}" type="slidenum">
+            <a:fld id="{B202CBC4-B2D3-457F-968D-7CFB3F7B9F57}" type="slidenum">
               <a:rPr lang="zh-CN" altLang="en-US" smtClean="0"/>
               <a:t>‹#›</a:t>
             </a:fld>
@@ -1461,7 +1461,7 @@
     </p:spTree>
     <p:extLst>
       <p:ext uri="{BB962C8B-B14F-4D97-AF65-F5344CB8AC3E}">
-        <p14:creationId xmlns:p14="http://schemas.microsoft.com/office/powerpoint/2010/main" val="4198455126"/>
+        <p14:creationId xmlns:p14="http://schemas.microsoft.com/office/powerpoint/2010/main" val="2411929781"/>
       </p:ext>
     </p:extLst>
   </p:cSld>
@@ -1493,7 +1493,7 @@
           <p:cNvPr id="2" name="标题 1">
             <a:extLst>
               <a:ext uri="{FF2B5EF4-FFF2-40B4-BE49-F238E27FC236}">
-                <a16:creationId xmlns:a16="http://schemas.microsoft.com/office/drawing/2014/main" id="{D64DAE12-6F44-CD65-7472-4F98E8DF210E}"/>
+                <a16:creationId xmlns:a16="http://schemas.microsoft.com/office/drawing/2014/main" id="{60E12674-6A0C-998D-CFEF-9FE1CEE04110}"/>
               </a:ext>
             </a:extLst>
           </p:cNvPr>
@@ -1526,7 +1526,7 @@
           <p:cNvPr id="3" name="文本占位符 2">
             <a:extLst>
               <a:ext uri="{FF2B5EF4-FFF2-40B4-BE49-F238E27FC236}">
-                <a16:creationId xmlns:a16="http://schemas.microsoft.com/office/drawing/2014/main" id="{659EFEBD-A295-A0EB-872E-DEA5DE87137D}"/>
+                <a16:creationId xmlns:a16="http://schemas.microsoft.com/office/drawing/2014/main" id="{D358C682-D9BF-330B-4D71-8F605179344A}"/>
               </a:ext>
             </a:extLst>
           </p:cNvPr>
@@ -1597,7 +1597,7 @@
           <p:cNvPr id="4" name="内容占位符 3">
             <a:extLst>
               <a:ext uri="{FF2B5EF4-FFF2-40B4-BE49-F238E27FC236}">
-                <a16:creationId xmlns:a16="http://schemas.microsoft.com/office/drawing/2014/main" id="{3443C150-DFEB-0717-2ACB-0906C2025ECF}"/>
+                <a16:creationId xmlns:a16="http://schemas.microsoft.com/office/drawing/2014/main" id="{EA140FB1-97EB-2484-E757-375AA3D84930}"/>
               </a:ext>
             </a:extLst>
           </p:cNvPr>
@@ -1659,7 +1659,7 @@
           <p:cNvPr id="5" name="文本占位符 4">
             <a:extLst>
               <a:ext uri="{FF2B5EF4-FFF2-40B4-BE49-F238E27FC236}">
-                <a16:creationId xmlns:a16="http://schemas.microsoft.com/office/drawing/2014/main" id="{96E6FA51-A937-3DDA-D88E-0514E1988E7B}"/>
+                <a16:creationId xmlns:a16="http://schemas.microsoft.com/office/drawing/2014/main" id="{C4FAED7F-6ACA-E600-F30F-7DCCF4F9A7D0}"/>
               </a:ext>
             </a:extLst>
           </p:cNvPr>
@@ -1730,7 +1730,7 @@
           <p:cNvPr id="6" name="内容占位符 5">
             <a:extLst>
               <a:ext uri="{FF2B5EF4-FFF2-40B4-BE49-F238E27FC236}">
-                <a16:creationId xmlns:a16="http://schemas.microsoft.com/office/drawing/2014/main" id="{5A5AE8D5-BA89-D997-3021-CD380261CCEF}"/>
+                <a16:creationId xmlns:a16="http://schemas.microsoft.com/office/drawing/2014/main" id="{2A80D36E-4648-9330-718D-CEA605BF72AE}"/>
               </a:ext>
             </a:extLst>
           </p:cNvPr>
@@ -1792,7 +1792,7 @@
           <p:cNvPr id="7" name="日期占位符 6">
             <a:extLst>
               <a:ext uri="{FF2B5EF4-FFF2-40B4-BE49-F238E27FC236}">
-                <a16:creationId xmlns:a16="http://schemas.microsoft.com/office/drawing/2014/main" id="{C25B7B2D-984A-047A-DB32-F47D1106E02A}"/>
+                <a16:creationId xmlns:a16="http://schemas.microsoft.com/office/drawing/2014/main" id="{654EDECE-A129-E111-738B-674E1F4F14BD}"/>
               </a:ext>
             </a:extLst>
           </p:cNvPr>
@@ -1808,7 +1808,7 @@
           <a:bodyPr/>
           <a:lstStyle/>
           <a:p>
-            <a:fld id="{FC0946CC-9224-4DF9-8A56-2D81EF834218}" type="datetimeFigureOut">
+            <a:fld id="{1EBE3CEC-0E51-4F3B-9070-112ECDC30EF0}" type="datetimeFigureOut">
               <a:rPr lang="zh-CN" altLang="en-US" smtClean="0"/>
               <a:t>2024/3/10</a:t>
             </a:fld>
@@ -1821,7 +1821,7 @@
           <p:cNvPr id="8" name="页脚占位符 7">
             <a:extLst>
               <a:ext uri="{FF2B5EF4-FFF2-40B4-BE49-F238E27FC236}">
-                <a16:creationId xmlns:a16="http://schemas.microsoft.com/office/drawing/2014/main" id="{D0C8D263-504D-4EB3-374D-07585AE72F89}"/>
+                <a16:creationId xmlns:a16="http://schemas.microsoft.com/office/drawing/2014/main" id="{6D89A104-E3AA-20D5-AA90-60500B9B9E2B}"/>
               </a:ext>
             </a:extLst>
           </p:cNvPr>
@@ -1846,7 +1846,7 @@
           <p:cNvPr id="9" name="灯片编号占位符 8">
             <a:extLst>
               <a:ext uri="{FF2B5EF4-FFF2-40B4-BE49-F238E27FC236}">
-                <a16:creationId xmlns:a16="http://schemas.microsoft.com/office/drawing/2014/main" id="{3F24C205-7D84-3B95-FA48-03CAC3C9207E}"/>
+                <a16:creationId xmlns:a16="http://schemas.microsoft.com/office/drawing/2014/main" id="{92B1A564-5C75-9B4E-6E22-AEF72B9369E9}"/>
               </a:ext>
             </a:extLst>
           </p:cNvPr>
@@ -1862,7 +1862,7 @@
           <a:bodyPr/>
           <a:lstStyle/>
           <a:p>
-            <a:fld id="{97030AE1-D32F-4B47-9525-31CB399C2D47}" type="slidenum">
+            <a:fld id="{B202CBC4-B2D3-457F-968D-7CFB3F7B9F57}" type="slidenum">
               <a:rPr lang="zh-CN" altLang="en-US" smtClean="0"/>
               <a:t>‹#›</a:t>
             </a:fld>
@@ -1873,7 +1873,7 @@
     </p:spTree>
     <p:extLst>
       <p:ext uri="{BB962C8B-B14F-4D97-AF65-F5344CB8AC3E}">
-        <p14:creationId xmlns:p14="http://schemas.microsoft.com/office/powerpoint/2010/main" val="3245607128"/>
+        <p14:creationId xmlns:p14="http://schemas.microsoft.com/office/powerpoint/2010/main" val="1254319854"/>
       </p:ext>
     </p:extLst>
   </p:cSld>
@@ -1905,7 +1905,7 @@
           <p:cNvPr id="2" name="标题 1">
             <a:extLst>
               <a:ext uri="{FF2B5EF4-FFF2-40B4-BE49-F238E27FC236}">
-                <a16:creationId xmlns:a16="http://schemas.microsoft.com/office/drawing/2014/main" id="{36EA3711-C8A7-D7A6-A136-9C6432EC11DB}"/>
+                <a16:creationId xmlns:a16="http://schemas.microsoft.com/office/drawing/2014/main" id="{2EE89ADB-F012-817C-5842-5BA0E208E040}"/>
               </a:ext>
             </a:extLst>
           </p:cNvPr>
@@ -1933,7 +1933,7 @@
           <p:cNvPr id="3" name="日期占位符 2">
             <a:extLst>
               <a:ext uri="{FF2B5EF4-FFF2-40B4-BE49-F238E27FC236}">
-                <a16:creationId xmlns:a16="http://schemas.microsoft.com/office/drawing/2014/main" id="{D6481D0E-A33C-270F-7D3D-225603A4195C}"/>
+                <a16:creationId xmlns:a16="http://schemas.microsoft.com/office/drawing/2014/main" id="{BAEA0B8C-16D7-7DBC-532D-83E12F50F91E}"/>
               </a:ext>
             </a:extLst>
           </p:cNvPr>
@@ -1949,7 +1949,7 @@
           <a:bodyPr/>
           <a:lstStyle/>
           <a:p>
-            <a:fld id="{FC0946CC-9224-4DF9-8A56-2D81EF834218}" type="datetimeFigureOut">
+            <a:fld id="{1EBE3CEC-0E51-4F3B-9070-112ECDC30EF0}" type="datetimeFigureOut">
               <a:rPr lang="zh-CN" altLang="en-US" smtClean="0"/>
               <a:t>2024/3/10</a:t>
             </a:fld>
@@ -1962,7 +1962,7 @@
           <p:cNvPr id="4" name="页脚占位符 3">
             <a:extLst>
               <a:ext uri="{FF2B5EF4-FFF2-40B4-BE49-F238E27FC236}">
-                <a16:creationId xmlns:a16="http://schemas.microsoft.com/office/drawing/2014/main" id="{DA93FE75-CFFA-3B79-66FD-BEAA8213B44D}"/>
+                <a16:creationId xmlns:a16="http://schemas.microsoft.com/office/drawing/2014/main" id="{EC001643-75E7-EEE4-4F73-3A66B7E10F3D}"/>
               </a:ext>
             </a:extLst>
           </p:cNvPr>
@@ -1987,7 +1987,7 @@
           <p:cNvPr id="5" name="灯片编号占位符 4">
             <a:extLst>
               <a:ext uri="{FF2B5EF4-FFF2-40B4-BE49-F238E27FC236}">
-                <a16:creationId xmlns:a16="http://schemas.microsoft.com/office/drawing/2014/main" id="{3A85AE6B-7129-9D83-55FC-D37A69F352C1}"/>
+                <a16:creationId xmlns:a16="http://schemas.microsoft.com/office/drawing/2014/main" id="{271E2768-58D9-3CBF-3860-F61E31308C9B}"/>
               </a:ext>
             </a:extLst>
           </p:cNvPr>
@@ -2003,7 +2003,7 @@
           <a:bodyPr/>
           <a:lstStyle/>
           <a:p>
-            <a:fld id="{97030AE1-D32F-4B47-9525-31CB399C2D47}" type="slidenum">
+            <a:fld id="{B202CBC4-B2D3-457F-968D-7CFB3F7B9F57}" type="slidenum">
               <a:rPr lang="zh-CN" altLang="en-US" smtClean="0"/>
               <a:t>‹#›</a:t>
             </a:fld>
@@ -2014,7 +2014,7 @@
     </p:spTree>
     <p:extLst>
       <p:ext uri="{BB962C8B-B14F-4D97-AF65-F5344CB8AC3E}">
-        <p14:creationId xmlns:p14="http://schemas.microsoft.com/office/powerpoint/2010/main" val="2263807810"/>
+        <p14:creationId xmlns:p14="http://schemas.microsoft.com/office/powerpoint/2010/main" val="3742071817"/>
       </p:ext>
     </p:extLst>
   </p:cSld>
@@ -2046,7 +2046,7 @@
           <p:cNvPr id="2" name="日期占位符 1">
             <a:extLst>
               <a:ext uri="{FF2B5EF4-FFF2-40B4-BE49-F238E27FC236}">
-                <a16:creationId xmlns:a16="http://schemas.microsoft.com/office/drawing/2014/main" id="{10937448-C637-36B2-10F8-697DC717A1C1}"/>
+                <a16:creationId xmlns:a16="http://schemas.microsoft.com/office/drawing/2014/main" id="{556D52F0-DCF5-AF52-71E5-8F7D35E14CC4}"/>
               </a:ext>
             </a:extLst>
           </p:cNvPr>
@@ -2062,7 +2062,7 @@
           <a:bodyPr/>
           <a:lstStyle/>
           <a:p>
-            <a:fld id="{FC0946CC-9224-4DF9-8A56-2D81EF834218}" type="datetimeFigureOut">
+            <a:fld id="{1EBE3CEC-0E51-4F3B-9070-112ECDC30EF0}" type="datetimeFigureOut">
               <a:rPr lang="zh-CN" altLang="en-US" smtClean="0"/>
               <a:t>2024/3/10</a:t>
             </a:fld>
@@ -2075,7 +2075,7 @@
           <p:cNvPr id="3" name="页脚占位符 2">
             <a:extLst>
               <a:ext uri="{FF2B5EF4-FFF2-40B4-BE49-F238E27FC236}">
-                <a16:creationId xmlns:a16="http://schemas.microsoft.com/office/drawing/2014/main" id="{C940295A-FE49-2BF5-636C-663818889F8A}"/>
+                <a16:creationId xmlns:a16="http://schemas.microsoft.com/office/drawing/2014/main" id="{D2858A58-BD94-4049-5ED1-36F277CB30D8}"/>
               </a:ext>
             </a:extLst>
           </p:cNvPr>
@@ -2100,7 +2100,7 @@
           <p:cNvPr id="4" name="灯片编号占位符 3">
             <a:extLst>
               <a:ext uri="{FF2B5EF4-FFF2-40B4-BE49-F238E27FC236}">
-                <a16:creationId xmlns:a16="http://schemas.microsoft.com/office/drawing/2014/main" id="{769E59F4-C8A4-D69F-EAA5-701E33CF35F7}"/>
+                <a16:creationId xmlns:a16="http://schemas.microsoft.com/office/drawing/2014/main" id="{BA8CB786-83A0-6EF7-FA6B-82FDCA3C131D}"/>
               </a:ext>
             </a:extLst>
           </p:cNvPr>
@@ -2116,7 +2116,7 @@
           <a:bodyPr/>
           <a:lstStyle/>
           <a:p>
-            <a:fld id="{97030AE1-D32F-4B47-9525-31CB399C2D47}" type="slidenum">
+            <a:fld id="{B202CBC4-B2D3-457F-968D-7CFB3F7B9F57}" type="slidenum">
               <a:rPr lang="zh-CN" altLang="en-US" smtClean="0"/>
               <a:t>‹#›</a:t>
             </a:fld>
@@ -2127,7 +2127,7 @@
     </p:spTree>
     <p:extLst>
       <p:ext uri="{BB962C8B-B14F-4D97-AF65-F5344CB8AC3E}">
-        <p14:creationId xmlns:p14="http://schemas.microsoft.com/office/powerpoint/2010/main" val="1603909612"/>
+        <p14:creationId xmlns:p14="http://schemas.microsoft.com/office/powerpoint/2010/main" val="467329648"/>
       </p:ext>
     </p:extLst>
   </p:cSld>
@@ -2159,7 +2159,7 @@
           <p:cNvPr id="2" name="标题 1">
             <a:extLst>
               <a:ext uri="{FF2B5EF4-FFF2-40B4-BE49-F238E27FC236}">
-                <a16:creationId xmlns:a16="http://schemas.microsoft.com/office/drawing/2014/main" id="{02C1DB25-7391-9A5A-403C-990EED47981A}"/>
+                <a16:creationId xmlns:a16="http://schemas.microsoft.com/office/drawing/2014/main" id="{31FFB39D-6449-D16D-F693-88C7F9515D39}"/>
               </a:ext>
             </a:extLst>
           </p:cNvPr>
@@ -2196,7 +2196,7 @@
           <p:cNvPr id="3" name="内容占位符 2">
             <a:extLst>
               <a:ext uri="{FF2B5EF4-FFF2-40B4-BE49-F238E27FC236}">
-                <a16:creationId xmlns:a16="http://schemas.microsoft.com/office/drawing/2014/main" id="{4C92A191-B9C5-FE60-51D7-797698E54C7E}"/>
+                <a16:creationId xmlns:a16="http://schemas.microsoft.com/office/drawing/2014/main" id="{D4FD87C1-CB3F-947A-AEF5-26995698058D}"/>
               </a:ext>
             </a:extLst>
           </p:cNvPr>
@@ -2286,7 +2286,7 @@
           <p:cNvPr id="4" name="文本占位符 3">
             <a:extLst>
               <a:ext uri="{FF2B5EF4-FFF2-40B4-BE49-F238E27FC236}">
-                <a16:creationId xmlns:a16="http://schemas.microsoft.com/office/drawing/2014/main" id="{9E03FC50-4632-B245-DDAB-5472408C5548}"/>
+                <a16:creationId xmlns:a16="http://schemas.microsoft.com/office/drawing/2014/main" id="{631B1E33-7033-B3AC-7B2A-9F9E14A11E1C}"/>
               </a:ext>
             </a:extLst>
           </p:cNvPr>
@@ -2357,7 +2357,7 @@
           <p:cNvPr id="5" name="日期占位符 4">
             <a:extLst>
               <a:ext uri="{FF2B5EF4-FFF2-40B4-BE49-F238E27FC236}">
-                <a16:creationId xmlns:a16="http://schemas.microsoft.com/office/drawing/2014/main" id="{165E1C37-4B68-2CE0-E6F0-B10EBCACE659}"/>
+                <a16:creationId xmlns:a16="http://schemas.microsoft.com/office/drawing/2014/main" id="{7CF0D3C9-85DF-4E77-E853-88E64C9A7675}"/>
               </a:ext>
             </a:extLst>
           </p:cNvPr>
@@ -2373,7 +2373,7 @@
           <a:bodyPr/>
           <a:lstStyle/>
           <a:p>
-            <a:fld id="{FC0946CC-9224-4DF9-8A56-2D81EF834218}" type="datetimeFigureOut">
+            <a:fld id="{1EBE3CEC-0E51-4F3B-9070-112ECDC30EF0}" type="datetimeFigureOut">
               <a:rPr lang="zh-CN" altLang="en-US" smtClean="0"/>
               <a:t>2024/3/10</a:t>
             </a:fld>
@@ -2386,7 +2386,7 @@
           <p:cNvPr id="6" name="页脚占位符 5">
             <a:extLst>
               <a:ext uri="{FF2B5EF4-FFF2-40B4-BE49-F238E27FC236}">
-                <a16:creationId xmlns:a16="http://schemas.microsoft.com/office/drawing/2014/main" id="{CF0108C6-983A-4200-1C2C-E353861F7414}"/>
+                <a16:creationId xmlns:a16="http://schemas.microsoft.com/office/drawing/2014/main" id="{51B546A7-4B28-AF83-6AC2-455AD2530A23}"/>
               </a:ext>
             </a:extLst>
           </p:cNvPr>
@@ -2411,7 +2411,7 @@
           <p:cNvPr id="7" name="灯片编号占位符 6">
             <a:extLst>
               <a:ext uri="{FF2B5EF4-FFF2-40B4-BE49-F238E27FC236}">
-                <a16:creationId xmlns:a16="http://schemas.microsoft.com/office/drawing/2014/main" id="{8B070E04-2C4F-BB3F-C752-4BC34A2B98A2}"/>
+                <a16:creationId xmlns:a16="http://schemas.microsoft.com/office/drawing/2014/main" id="{5C028E67-CB2B-BDE6-0477-FA3CCD5F6EA3}"/>
               </a:ext>
             </a:extLst>
           </p:cNvPr>
@@ -2427,7 +2427,7 @@
           <a:bodyPr/>
           <a:lstStyle/>
           <a:p>
-            <a:fld id="{97030AE1-D32F-4B47-9525-31CB399C2D47}" type="slidenum">
+            <a:fld id="{B202CBC4-B2D3-457F-968D-7CFB3F7B9F57}" type="slidenum">
               <a:rPr lang="zh-CN" altLang="en-US" smtClean="0"/>
               <a:t>‹#›</a:t>
             </a:fld>
@@ -2438,7 +2438,7 @@
     </p:spTree>
     <p:extLst>
       <p:ext uri="{BB962C8B-B14F-4D97-AF65-F5344CB8AC3E}">
-        <p14:creationId xmlns:p14="http://schemas.microsoft.com/office/powerpoint/2010/main" val="4221806066"/>
+        <p14:creationId xmlns:p14="http://schemas.microsoft.com/office/powerpoint/2010/main" val="3704489477"/>
       </p:ext>
     </p:extLst>
   </p:cSld>
@@ -2470,7 +2470,7 @@
           <p:cNvPr id="2" name="标题 1">
             <a:extLst>
               <a:ext uri="{FF2B5EF4-FFF2-40B4-BE49-F238E27FC236}">
-                <a16:creationId xmlns:a16="http://schemas.microsoft.com/office/drawing/2014/main" id="{A2E3F55F-7A5A-8D34-9F4D-565498CB695D}"/>
+                <a16:creationId xmlns:a16="http://schemas.microsoft.com/office/drawing/2014/main" id="{B5B675F1-BC9E-7FC9-4EF4-54483370C0A9}"/>
               </a:ext>
             </a:extLst>
           </p:cNvPr>
@@ -2507,7 +2507,7 @@
           <p:cNvPr id="3" name="图片占位符 2">
             <a:extLst>
               <a:ext uri="{FF2B5EF4-FFF2-40B4-BE49-F238E27FC236}">
-                <a16:creationId xmlns:a16="http://schemas.microsoft.com/office/drawing/2014/main" id="{75340DFC-1941-534C-4C6F-D80FE12A1460}"/>
+                <a16:creationId xmlns:a16="http://schemas.microsoft.com/office/drawing/2014/main" id="{441BF908-89D7-9CCD-18AC-5638FEE3A78A}"/>
               </a:ext>
             </a:extLst>
           </p:cNvPr>
@@ -2574,7 +2574,7 @@
           <p:cNvPr id="4" name="文本占位符 3">
             <a:extLst>
               <a:ext uri="{FF2B5EF4-FFF2-40B4-BE49-F238E27FC236}">
-                <a16:creationId xmlns:a16="http://schemas.microsoft.com/office/drawing/2014/main" id="{33A38BCB-D1F6-7038-4A98-97A1A2EF9E2A}"/>
+                <a16:creationId xmlns:a16="http://schemas.microsoft.com/office/drawing/2014/main" id="{77B5E52E-804C-4A2D-1094-48E87AD97B63}"/>
               </a:ext>
             </a:extLst>
           </p:cNvPr>
@@ -2645,7 +2645,7 @@
           <p:cNvPr id="5" name="日期占位符 4">
             <a:extLst>
               <a:ext uri="{FF2B5EF4-FFF2-40B4-BE49-F238E27FC236}">
-                <a16:creationId xmlns:a16="http://schemas.microsoft.com/office/drawing/2014/main" id="{AE98AC32-862A-A107-EF4F-D66FD6695865}"/>
+                <a16:creationId xmlns:a16="http://schemas.microsoft.com/office/drawing/2014/main" id="{170E9961-4B8D-F2AC-9C74-3278EBD966B8}"/>
               </a:ext>
             </a:extLst>
           </p:cNvPr>
@@ -2661,7 +2661,7 @@
           <a:bodyPr/>
           <a:lstStyle/>
           <a:p>
-            <a:fld id="{FC0946CC-9224-4DF9-8A56-2D81EF834218}" type="datetimeFigureOut">
+            <a:fld id="{1EBE3CEC-0E51-4F3B-9070-112ECDC30EF0}" type="datetimeFigureOut">
               <a:rPr lang="zh-CN" altLang="en-US" smtClean="0"/>
               <a:t>2024/3/10</a:t>
             </a:fld>
@@ -2674,7 +2674,7 @@
           <p:cNvPr id="6" name="页脚占位符 5">
             <a:extLst>
               <a:ext uri="{FF2B5EF4-FFF2-40B4-BE49-F238E27FC236}">
-                <a16:creationId xmlns:a16="http://schemas.microsoft.com/office/drawing/2014/main" id="{69904672-B3B0-D468-AE55-0D0A1D047FBA}"/>
+                <a16:creationId xmlns:a16="http://schemas.microsoft.com/office/drawing/2014/main" id="{A6C2D8A8-EA80-C5EE-4F0B-1E691F943EF7}"/>
               </a:ext>
             </a:extLst>
           </p:cNvPr>
@@ -2699,7 +2699,7 @@
           <p:cNvPr id="7" name="灯片编号占位符 6">
             <a:extLst>
               <a:ext uri="{FF2B5EF4-FFF2-40B4-BE49-F238E27FC236}">
-                <a16:creationId xmlns:a16="http://schemas.microsoft.com/office/drawing/2014/main" id="{1B76BDB1-571A-2254-9D28-D8CAD15F29D0}"/>
+                <a16:creationId xmlns:a16="http://schemas.microsoft.com/office/drawing/2014/main" id="{357C6FB8-5561-178C-A63B-25D93EE8B9EA}"/>
               </a:ext>
             </a:extLst>
           </p:cNvPr>
@@ -2715,7 +2715,7 @@
           <a:bodyPr/>
           <a:lstStyle/>
           <a:p>
-            <a:fld id="{97030AE1-D32F-4B47-9525-31CB399C2D47}" type="slidenum">
+            <a:fld id="{B202CBC4-B2D3-457F-968D-7CFB3F7B9F57}" type="slidenum">
               <a:rPr lang="zh-CN" altLang="en-US" smtClean="0"/>
               <a:t>‹#›</a:t>
             </a:fld>
@@ -2726,7 +2726,7 @@
     </p:spTree>
     <p:extLst>
       <p:ext uri="{BB962C8B-B14F-4D97-AF65-F5344CB8AC3E}">
-        <p14:creationId xmlns:p14="http://schemas.microsoft.com/office/powerpoint/2010/main" val="2062119450"/>
+        <p14:creationId xmlns:p14="http://schemas.microsoft.com/office/powerpoint/2010/main" val="3155406288"/>
       </p:ext>
     </p:extLst>
   </p:cSld>
@@ -2763,7 +2763,7 @@
           <p:cNvPr id="2" name="标题占位符 1">
             <a:extLst>
               <a:ext uri="{FF2B5EF4-FFF2-40B4-BE49-F238E27FC236}">
-                <a16:creationId xmlns:a16="http://schemas.microsoft.com/office/drawing/2014/main" id="{88935315-28A5-1915-17F5-650E38E23880}"/>
+                <a16:creationId xmlns:a16="http://schemas.microsoft.com/office/drawing/2014/main" id="{05FF4DD0-54D4-55AE-FF69-772CE7EA4922}"/>
               </a:ext>
             </a:extLst>
           </p:cNvPr>
@@ -2801,7 +2801,7 @@
           <p:cNvPr id="3" name="文本占位符 2">
             <a:extLst>
               <a:ext uri="{FF2B5EF4-FFF2-40B4-BE49-F238E27FC236}">
-                <a16:creationId xmlns:a16="http://schemas.microsoft.com/office/drawing/2014/main" id="{06BC2898-A605-9D19-3DDB-A5B9B388E4D9}"/>
+                <a16:creationId xmlns:a16="http://schemas.microsoft.com/office/drawing/2014/main" id="{47CBC8F2-DAD9-77FC-E3FB-67E7BE74273E}"/>
               </a:ext>
             </a:extLst>
           </p:cNvPr>
@@ -2868,7 +2868,7 @@
           <p:cNvPr id="4" name="日期占位符 3">
             <a:extLst>
               <a:ext uri="{FF2B5EF4-FFF2-40B4-BE49-F238E27FC236}">
-                <a16:creationId xmlns:a16="http://schemas.microsoft.com/office/drawing/2014/main" id="{0F26B098-1DBB-E1AA-1D82-0E74E7C80D3F}"/>
+                <a16:creationId xmlns:a16="http://schemas.microsoft.com/office/drawing/2014/main" id="{7BA7F4DB-7E99-D73B-AC87-3689AE21BDA0}"/>
               </a:ext>
             </a:extLst>
           </p:cNvPr>
@@ -2902,7 +2902,7 @@
             </a:lvl1pPr>
           </a:lstStyle>
           <a:p>
-            <a:fld id="{FC0946CC-9224-4DF9-8A56-2D81EF834218}" type="datetimeFigureOut">
+            <a:fld id="{1EBE3CEC-0E51-4F3B-9070-112ECDC30EF0}" type="datetimeFigureOut">
               <a:rPr lang="zh-CN" altLang="en-US" smtClean="0"/>
               <a:t>2024/3/10</a:t>
             </a:fld>
@@ -2915,7 +2915,7 @@
           <p:cNvPr id="5" name="页脚占位符 4">
             <a:extLst>
               <a:ext uri="{FF2B5EF4-FFF2-40B4-BE49-F238E27FC236}">
-                <a16:creationId xmlns:a16="http://schemas.microsoft.com/office/drawing/2014/main" id="{9D9EB60C-1898-1C9A-BA70-0D53E687A5C5}"/>
+                <a16:creationId xmlns:a16="http://schemas.microsoft.com/office/drawing/2014/main" id="{4B738E3A-CE90-B9D1-6D5A-C7E540982FB0}"/>
               </a:ext>
             </a:extLst>
           </p:cNvPr>
@@ -2958,7 +2958,7 @@
           <p:cNvPr id="6" name="灯片编号占位符 5">
             <a:extLst>
               <a:ext uri="{FF2B5EF4-FFF2-40B4-BE49-F238E27FC236}">
-                <a16:creationId xmlns:a16="http://schemas.microsoft.com/office/drawing/2014/main" id="{6F5890D6-CC5B-24B1-7506-155A643A42A2}"/>
+                <a16:creationId xmlns:a16="http://schemas.microsoft.com/office/drawing/2014/main" id="{FD0525E7-3B02-4F57-F6B1-31E77945F5A6}"/>
               </a:ext>
             </a:extLst>
           </p:cNvPr>
@@ -2992,7 +2992,7 @@
             </a:lvl1pPr>
           </a:lstStyle>
           <a:p>
-            <a:fld id="{97030AE1-D32F-4B47-9525-31CB399C2D47}" type="slidenum">
+            <a:fld id="{B202CBC4-B2D3-457F-968D-7CFB3F7B9F57}" type="slidenum">
               <a:rPr lang="zh-CN" altLang="en-US" smtClean="0"/>
               <a:t>‹#›</a:t>
             </a:fld>
@@ -3003,7 +3003,7 @@
     </p:spTree>
     <p:extLst>
       <p:ext uri="{BB962C8B-B14F-4D97-AF65-F5344CB8AC3E}">
-        <p14:creationId xmlns:p14="http://schemas.microsoft.com/office/powerpoint/2010/main" val="2320975838"/>
+        <p14:creationId xmlns:p14="http://schemas.microsoft.com/office/powerpoint/2010/main" val="2038829636"/>
       </p:ext>
     </p:extLst>
   </p:cSld>
